--- a/MVP Days ConfigMgr Run Script/ConfigMgr_RunScript.pptx
+++ b/MVP Days ConfigMgr Run Script/ConfigMgr_RunScript.pptx
@@ -5,7 +5,7 @@
     <p:sldMasterId id="2147483694" r:id="rId2"/>
   </p:sldMasterIdLst>
   <p:notesMasterIdLst>
-    <p:notesMasterId r:id="rId10"/>
+    <p:notesMasterId r:id="rId11"/>
   </p:notesMasterIdLst>
   <p:sldIdLst>
     <p:sldId id="256" r:id="rId3"/>
@@ -15,6 +15,7 @@
     <p:sldId id="271" r:id="rId7"/>
     <p:sldId id="272" r:id="rId8"/>
     <p:sldId id="273" r:id="rId9"/>
+    <p:sldId id="274" r:id="rId10"/>
   </p:sldIdLst>
   <p:sldSz cx="9144000" cy="6858000" type="screen4x3"/>
   <p:notesSz cx="6858000" cy="9144000"/>
@@ -219,7 +220,7 @@
             <a:fld id="{2447E72A-D913-4DC2-9E0A-E520CE8FCC86}" type="datetimeFigureOut">
               <a:rPr lang="en-US" smtClean="0"/>
               <a:pPr/>
-              <a:t>2/15/2018</a:t>
+              <a:t>2/17/2018</a:t>
             </a:fld>
             <a:endParaRPr lang="en-US"/>
           </a:p>
@@ -1139,6 +1140,101 @@
 </p:notes>
 </file>
 
+<file path=ppt/notesSlides/notesSlide8.xml><?xml version="1.0" encoding="utf-8"?>
+<p:notes xmlns:a="http://schemas.openxmlformats.org/drawingml/2006/main" xmlns:r="http://schemas.openxmlformats.org/officeDocument/2006/relationships" xmlns:p="http://schemas.openxmlformats.org/presentationml/2006/main">
+  <p:cSld>
+    <p:spTree>
+      <p:nvGrpSpPr>
+        <p:cNvPr id="1" name=""/>
+        <p:cNvGrpSpPr/>
+        <p:nvPr/>
+      </p:nvGrpSpPr>
+      <p:grpSpPr>
+        <a:xfrm>
+          <a:off x="0" y="0"/>
+          <a:ext cx="0" cy="0"/>
+          <a:chOff x="0" y="0"/>
+          <a:chExt cx="0" cy="0"/>
+        </a:xfrm>
+      </p:grpSpPr>
+      <p:sp>
+        <p:nvSpPr>
+          <p:cNvPr id="2" name="Slide Image Placeholder 1"/>
+          <p:cNvSpPr>
+            <a:spLocks noGrp="1" noRot="1" noChangeAspect="1"/>
+          </p:cNvSpPr>
+          <p:nvPr>
+            <p:ph type="sldImg"/>
+          </p:nvPr>
+        </p:nvSpPr>
+        <p:spPr/>
+      </p:sp>
+      <p:sp>
+        <p:nvSpPr>
+          <p:cNvPr id="3" name="Notes Placeholder 2"/>
+          <p:cNvSpPr>
+            <a:spLocks noGrp="1"/>
+          </p:cNvSpPr>
+          <p:nvPr>
+            <p:ph type="body" idx="1"/>
+          </p:nvPr>
+        </p:nvSpPr>
+        <p:spPr/>
+        <p:txBody>
+          <a:bodyPr>
+            <a:normAutofit/>
+          </a:bodyPr>
+          <a:lstStyle/>
+          <a:p>
+            <a:r>
+              <a:rPr lang="en-US" dirty="0"/>
+              <a:t>Objectives</a:t>
+            </a:r>
+            <a:r>
+              <a:rPr lang="en-US" baseline="0" dirty="0"/>
+              <a:t> for instruction and expected results and/or skills developed from learning. </a:t>
+            </a:r>
+            <a:endParaRPr lang="en-US" dirty="0"/>
+          </a:p>
+        </p:txBody>
+      </p:sp>
+      <p:sp>
+        <p:nvSpPr>
+          <p:cNvPr id="4" name="Slide Number Placeholder 3"/>
+          <p:cNvSpPr>
+            <a:spLocks noGrp="1"/>
+          </p:cNvSpPr>
+          <p:nvPr>
+            <p:ph type="sldNum" sz="quarter" idx="10"/>
+          </p:nvPr>
+        </p:nvSpPr>
+        <p:spPr/>
+        <p:txBody>
+          <a:bodyPr/>
+          <a:lstStyle/>
+          <a:p>
+            <a:fld id="{A5D78FC6-CE17-4259-A63C-DDFC12E048FC}" type="slidenum">
+              <a:rPr lang="en-US" smtClean="0"/>
+              <a:pPr/>
+              <a:t>8</a:t>
+            </a:fld>
+            <a:endParaRPr lang="en-US"/>
+          </a:p>
+        </p:txBody>
+      </p:sp>
+    </p:spTree>
+    <p:extLst>
+      <p:ext uri="{BB962C8B-B14F-4D97-AF65-F5344CB8AC3E}">
+        <p14:creationId xmlns:p14="http://schemas.microsoft.com/office/powerpoint/2010/main" val="995315480"/>
+      </p:ext>
+    </p:extLst>
+  </p:cSld>
+  <p:clrMapOvr>
+    <a:masterClrMapping/>
+  </p:clrMapOvr>
+</p:notes>
+</file>
+
 <file path=ppt/slideLayouts/slideLayout1.xml><?xml version="1.0" encoding="utf-8"?>
 <p:sldLayout xmlns:a="http://schemas.openxmlformats.org/drawingml/2006/main" xmlns:r="http://schemas.openxmlformats.org/officeDocument/2006/relationships" xmlns:p="http://schemas.openxmlformats.org/presentationml/2006/main" showMasterSp="0" type="title" preserve="1">
   <p:cSld name="Title Slide">
@@ -1447,7 +1543,7 @@
             <a:fld id="{743653DA-8BF4-4869-96FE-9BCF43372D46}" type="datetime8">
               <a:rPr lang="en-US" smtClean="0"/>
               <a:pPr algn="ctr"/>
-              <a:t>2/15/2018 9:28 AM</a:t>
+              <a:t>2/17/2018 2:05 PM</a:t>
             </a:fld>
             <a:endParaRPr lang="en-US" sz="2000" dirty="0">
               <a:solidFill>
@@ -1655,7 +1751,7 @@
                 </a:solidFill>
               </a:rPr>
               <a:pPr/>
-              <a:t>2/15/2018 9:28 AM</a:t>
+              <a:t>2/17/2018 2:05 PM</a:t>
             </a:fld>
             <a:endParaRPr lang="en-US"/>
           </a:p>
@@ -1845,7 +1941,7 @@
                 </a:solidFill>
               </a:rPr>
               <a:pPr/>
-              <a:t>2/15/2018 9:28 AM</a:t>
+              <a:t>2/17/2018 2:05 PM</a:t>
             </a:fld>
             <a:endParaRPr lang="en-US" dirty="0"/>
           </a:p>
@@ -2114,7 +2210,7 @@
             <a:fld id="{B7129108-AC8D-4212-9283-60D9E99BF07A}" type="datetime8">
               <a:rPr lang="en-US" smtClean="0"/>
               <a:pPr/>
-              <a:t>2/15/2018 9:28 AM</a:t>
+              <a:t>2/17/2018 2:05 PM</a:t>
             </a:fld>
             <a:endParaRPr lang="en-US" dirty="0"/>
           </a:p>
@@ -2531,7 +2627,7 @@
             <a:fld id="{B6DED3D3-6235-4F4C-B439-DF277FB555A7}" type="datetime8">
               <a:rPr lang="en-US" smtClean="0"/>
               <a:pPr/>
-              <a:t>2/15/2018 9:28 AM</a:t>
+              <a:t>2/17/2018 2:05 PM</a:t>
             </a:fld>
             <a:endParaRPr lang="en-US"/>
           </a:p>
@@ -2779,7 +2875,7 @@
             <a:fld id="{3B5F1E3E-4B2F-4895-B65E-28B2E64F39F6}" type="datetime8">
               <a:rPr lang="en-US" smtClean="0"/>
               <a:pPr/>
-              <a:t>2/15/2018 9:28 AM</a:t>
+              <a:t>2/17/2018 2:05 PM</a:t>
             </a:fld>
             <a:endParaRPr lang="en-US"/>
           </a:p>
@@ -3018,7 +3114,7 @@
             <a:fld id="{63085435-8225-4333-BFFA-0096413F0D76}" type="datetime8">
               <a:rPr lang="en-US" smtClean="0"/>
               <a:pPr/>
-              <a:t>2/15/2018 9:28 AM</a:t>
+              <a:t>2/17/2018 2:05 PM</a:t>
             </a:fld>
             <a:endParaRPr lang="en-US"/>
           </a:p>
@@ -3215,7 +3311,7 @@
             <a:fld id="{0783C494-2A87-468C-A21B-CB14FB9ABB00}" type="datetime8">
               <a:rPr lang="en-US" smtClean="0"/>
               <a:pPr/>
-              <a:t>2/15/2018 9:28 AM</a:t>
+              <a:t>2/17/2018 2:05 PM</a:t>
             </a:fld>
             <a:endParaRPr lang="en-US"/>
           </a:p>
@@ -3319,7 +3415,7 @@
             <a:fld id="{9A180FA0-5B31-4864-A2BB-719EA5A679C6}" type="datetime8">
               <a:rPr lang="en-US" smtClean="0"/>
               <a:pPr/>
-              <a:t>2/15/2018 9:28 AM</a:t>
+              <a:t>2/17/2018 2:05 PM</a:t>
             </a:fld>
             <a:endParaRPr lang="en-US"/>
           </a:p>
@@ -3461,7 +3557,7 @@
             <a:fld id="{4BECC0C8-36B8-442A-833D-B6AACE86BB77}" type="datetime8">
               <a:rPr lang="en-US" smtClean="0"/>
               <a:pPr/>
-              <a:t>2/15/2018 9:28 AM</a:t>
+              <a:t>2/17/2018 2:05 PM</a:t>
             </a:fld>
             <a:endParaRPr lang="en-US"/>
           </a:p>
@@ -3936,7 +4032,7 @@
             <a:fld id="{51E20EC5-AC53-4169-941E-EDF10CD23748}" type="datetime8">
               <a:rPr lang="en-US" smtClean="0"/>
               <a:pPr/>
-              <a:t>2/15/2018 9:28 AM</a:t>
+              <a:t>2/17/2018 2:05 PM</a:t>
             </a:fld>
             <a:endParaRPr lang="en-US"/>
           </a:p>
@@ -4204,7 +4300,7 @@
                 </a:solidFill>
               </a:rPr>
               <a:pPr/>
-              <a:t>2/15/2018 9:28 AM</a:t>
+              <a:t>2/17/2018 2:05 PM</a:t>
             </a:fld>
             <a:endParaRPr lang="en-US" sz="1400" dirty="0">
               <a:solidFill>
@@ -5690,12 +5786,22 @@
             </a:pPr>
             <a:r>
               <a:rPr lang="en-US" dirty="0"/>
-              <a:t>Role Bases </a:t>
-            </a:r>
-            <a:r>
-              <a:rPr lang="en-US" dirty="0" err="1"/>
-              <a:t>Acc</a:t>
-            </a:r>
+              <a:t>	- This account does not generally have network 	access. If you want to use a network resource it 	must be provisioned to allow everyone to access 	it with the permission the script requires. </a:t>
+            </a:r>
+          </a:p>
+          <a:p>
+            <a:pPr marL="0" indent="0">
+              <a:buNone/>
+            </a:pPr>
+            <a:r>
+              <a:rPr lang="en-US" dirty="0"/>
+              <a:t>Role Based Access to control who can approve and run scripts. </a:t>
+            </a:r>
+          </a:p>
+          <a:p>
+            <a:pPr marL="0" indent="0">
+              <a:buNone/>
+            </a:pPr>
             <a:endParaRPr lang="en-US" dirty="0"/>
           </a:p>
           <a:p>
@@ -5734,6 +5840,264 @@
     <p:extLst>
       <p:ext uri="{BB962C8B-B14F-4D97-AF65-F5344CB8AC3E}">
         <p14:creationId xmlns:p14="http://schemas.microsoft.com/office/powerpoint/2010/main" val="3158062429"/>
+      </p:ext>
+    </p:extLst>
+  </p:cSld>
+  <p:clrMapOvr>
+    <a:masterClrMapping/>
+  </p:clrMapOvr>
+</p:sld>
+</file>
+
+<file path=ppt/slides/slide8.xml><?xml version="1.0" encoding="utf-8"?>
+<p:sld xmlns:a="http://schemas.openxmlformats.org/drawingml/2006/main" xmlns:r="http://schemas.openxmlformats.org/officeDocument/2006/relationships" xmlns:p="http://schemas.openxmlformats.org/presentationml/2006/main">
+  <p:cSld>
+    <p:bg>
+      <p:bgPr>
+        <a:solidFill>
+          <a:schemeClr val="bg1"/>
+        </a:solidFill>
+        <a:effectLst/>
+      </p:bgPr>
+    </p:bg>
+    <p:spTree>
+      <p:nvGrpSpPr>
+        <p:cNvPr id="1" name=""/>
+        <p:cNvGrpSpPr/>
+        <p:nvPr/>
+      </p:nvGrpSpPr>
+      <p:grpSpPr>
+        <a:xfrm>
+          <a:off x="0" y="0"/>
+          <a:ext cx="0" cy="0"/>
+          <a:chOff x="0" y="0"/>
+          <a:chExt cx="0" cy="0"/>
+        </a:xfrm>
+      </p:grpSpPr>
+      <p:sp>
+        <p:nvSpPr>
+          <p:cNvPr id="2" name="Rectangle 1"/>
+          <p:cNvSpPr>
+            <a:spLocks noGrp="1"/>
+          </p:cNvSpPr>
+          <p:nvPr>
+            <p:ph type="title"/>
+          </p:nvPr>
+        </p:nvSpPr>
+        <p:spPr/>
+        <p:txBody>
+          <a:bodyPr>
+            <a:normAutofit/>
+          </a:bodyPr>
+          <a:lstStyle/>
+          <a:p>
+            <a:r>
+              <a:rPr lang="en-US" dirty="0"/>
+              <a:t>Jonathan Warnken</a:t>
+            </a:r>
+          </a:p>
+        </p:txBody>
+      </p:sp>
+      <p:sp>
+        <p:nvSpPr>
+          <p:cNvPr id="3" name="Rectangle 2"/>
+          <p:cNvSpPr>
+            <a:spLocks noGrp="1"/>
+          </p:cNvSpPr>
+          <p:nvPr>
+            <p:ph sz="quarter" idx="1"/>
+          </p:nvPr>
+        </p:nvSpPr>
+        <p:spPr>
+          <a:xfrm>
+            <a:off x="609600" y="1600200"/>
+            <a:ext cx="8153400" cy="4495800"/>
+          </a:xfrm>
+        </p:spPr>
+        <p:txBody>
+          <a:bodyPr>
+            <a:normAutofit/>
+          </a:bodyPr>
+          <a:lstStyle/>
+          <a:p>
+            <a:pPr marL="0" indent="0">
+              <a:buNone/>
+            </a:pPr>
+            <a:r>
+              <a:rPr lang="en-US" dirty="0"/>
+              <a:t>Microsoft PFE</a:t>
+            </a:r>
+          </a:p>
+          <a:p>
+            <a:pPr marL="0" indent="0">
+              <a:buNone/>
+            </a:pPr>
+            <a:r>
+              <a:rPr lang="en-US" dirty="0"/>
+              <a:t>Jonathan.Warnken@Microsoft.com</a:t>
+            </a:r>
+          </a:p>
+          <a:p>
+            <a:pPr marL="0" indent="0">
+              <a:buNone/>
+            </a:pPr>
+            <a:r>
+              <a:rPr lang="en-US" dirty="0">
+                <a:hlinkClick r:id="rId3"/>
+              </a:rPr>
+              <a:t>www.linkedin.com/in/jonathanwarnken/</a:t>
+            </a:r>
+            <a:r>
+              <a:rPr lang="en-US" dirty="0"/>
+              <a:t> </a:t>
+            </a:r>
+          </a:p>
+          <a:p>
+            <a:pPr marL="0" indent="0">
+              <a:buNone/>
+            </a:pPr>
+            <a:r>
+              <a:rPr lang="en-US" dirty="0"/>
+              <a:t>@</a:t>
+            </a:r>
+            <a:r>
+              <a:rPr lang="en-US" dirty="0" err="1"/>
+              <a:t>MrBoDean</a:t>
+            </a:r>
+            <a:endParaRPr lang="en-US" dirty="0"/>
+          </a:p>
+          <a:p>
+            <a:pPr marL="0" indent="0">
+              <a:buNone/>
+            </a:pPr>
+            <a:r>
+              <a:rPr lang="en-US" dirty="0">
+                <a:hlinkClick r:id="rId4"/>
+              </a:rPr>
+              <a:t>www.MrBoDean.net</a:t>
+            </a:r>
+            <a:endParaRPr lang="en-US" dirty="0"/>
+          </a:p>
+          <a:p>
+            <a:pPr marL="0" indent="0">
+              <a:buNone/>
+            </a:pPr>
+            <a:endParaRPr lang="en-US" dirty="0"/>
+          </a:p>
+        </p:txBody>
+      </p:sp>
+      <p:pic>
+        <p:nvPicPr>
+          <p:cNvPr id="5" name="Picture 4">
+            <a:extLst>
+              <a:ext uri="{FF2B5EF4-FFF2-40B4-BE49-F238E27FC236}">
+                <a16:creationId xmlns:a16="http://schemas.microsoft.com/office/drawing/2014/main" id="{A5883E2E-0C43-455E-9135-84AF98C9CAEC}"/>
+              </a:ext>
+            </a:extLst>
+          </p:cNvPr>
+          <p:cNvPicPr>
+            <a:picLocks noChangeAspect="1"/>
+          </p:cNvPicPr>
+          <p:nvPr/>
+        </p:nvPicPr>
+        <p:blipFill>
+          <a:blip r:embed="rId5" cstate="print">
+            <a:extLst>
+              <a:ext uri="{28A0092B-C50C-407E-A947-70E740481C1C}">
+                <a14:useLocalDpi xmlns:a14="http://schemas.microsoft.com/office/drawing/2010/main" val="0"/>
+              </a:ext>
+            </a:extLst>
+          </a:blip>
+          <a:stretch>
+            <a:fillRect/>
+          </a:stretch>
+        </p:blipFill>
+        <p:spPr>
+          <a:xfrm flipH="1">
+            <a:off x="0" y="3188107"/>
+            <a:ext cx="659993" cy="659993"/>
+          </a:xfrm>
+          <a:prstGeom prst="rect">
+            <a:avLst/>
+          </a:prstGeom>
+        </p:spPr>
+      </p:pic>
+      <p:pic>
+        <p:nvPicPr>
+          <p:cNvPr id="7" name="Picture 6">
+            <a:extLst>
+              <a:ext uri="{FF2B5EF4-FFF2-40B4-BE49-F238E27FC236}">
+                <a16:creationId xmlns:a16="http://schemas.microsoft.com/office/drawing/2014/main" id="{A057CF0A-A3B9-4751-A0B9-12AFC5924B39}"/>
+              </a:ext>
+            </a:extLst>
+          </p:cNvPr>
+          <p:cNvPicPr>
+            <a:picLocks noChangeAspect="1"/>
+          </p:cNvPicPr>
+          <p:nvPr/>
+        </p:nvPicPr>
+        <p:blipFill>
+          <a:blip r:embed="rId6" cstate="print">
+            <a:extLst>
+              <a:ext uri="{28A0092B-C50C-407E-A947-70E740481C1C}">
+                <a14:useLocalDpi xmlns:a14="http://schemas.microsoft.com/office/drawing/2010/main" val="0"/>
+              </a:ext>
+            </a:extLst>
+          </a:blip>
+          <a:stretch>
+            <a:fillRect/>
+          </a:stretch>
+        </p:blipFill>
+        <p:spPr>
+          <a:xfrm>
+            <a:off x="114401" y="2745687"/>
+            <a:ext cx="506085" cy="447863"/>
+          </a:xfrm>
+          <a:prstGeom prst="rect">
+            <a:avLst/>
+          </a:prstGeom>
+        </p:spPr>
+      </p:pic>
+      <p:pic>
+        <p:nvPicPr>
+          <p:cNvPr id="6" name="Picture 5">
+            <a:extLst>
+              <a:ext uri="{FF2B5EF4-FFF2-40B4-BE49-F238E27FC236}">
+                <a16:creationId xmlns:a16="http://schemas.microsoft.com/office/drawing/2014/main" id="{1FABC11C-3829-4077-8338-AC6FDA00015E}"/>
+              </a:ext>
+            </a:extLst>
+          </p:cNvPr>
+          <p:cNvPicPr>
+            <a:picLocks noChangeAspect="1"/>
+          </p:cNvPicPr>
+          <p:nvPr/>
+        </p:nvPicPr>
+        <p:blipFill>
+          <a:blip r:embed="rId7" cstate="print">
+            <a:extLst>
+              <a:ext uri="{28A0092B-C50C-407E-A947-70E740481C1C}">
+                <a14:useLocalDpi xmlns:a14="http://schemas.microsoft.com/office/drawing/2010/main" val="0"/>
+              </a:ext>
+            </a:extLst>
+          </a:blip>
+          <a:stretch>
+            <a:fillRect/>
+          </a:stretch>
+        </p:blipFill>
+        <p:spPr>
+          <a:xfrm>
+            <a:off x="6019800" y="4114800"/>
+            <a:ext cx="2438400" cy="2438400"/>
+          </a:xfrm>
+          <a:prstGeom prst="rect">
+            <a:avLst/>
+          </a:prstGeom>
+        </p:spPr>
+      </p:pic>
+    </p:spTree>
+    <p:extLst>
+      <p:ext uri="{BB962C8B-B14F-4D97-AF65-F5344CB8AC3E}">
+        <p14:creationId xmlns:p14="http://schemas.microsoft.com/office/powerpoint/2010/main" val="3943588748"/>
       </p:ext>
     </p:extLst>
   </p:cSld>
